--- a/MavenPPT.pptx
+++ b/MavenPPT.pptx
@@ -5,7 +5,7 @@
     <p:sldMasterId id="2147483664" r:id="rId1"/>
   </p:sldMasterIdLst>
   <p:notesMasterIdLst>
-    <p:notesMasterId r:id="rId12"/>
+    <p:notesMasterId r:id="rId24"/>
   </p:notesMasterIdLst>
   <p:sldIdLst>
     <p:sldId id="256" r:id="rId2"/>
@@ -18,16 +18,28 @@
     <p:sldId id="364" r:id="rId9"/>
     <p:sldId id="365" r:id="rId10"/>
     <p:sldId id="366" r:id="rId11"/>
+    <p:sldId id="368" r:id="rId12"/>
+    <p:sldId id="369" r:id="rId13"/>
+    <p:sldId id="373" r:id="rId14"/>
+    <p:sldId id="370" r:id="rId15"/>
+    <p:sldId id="375" r:id="rId16"/>
+    <p:sldId id="376" r:id="rId17"/>
+    <p:sldId id="374" r:id="rId18"/>
+    <p:sldId id="377" r:id="rId19"/>
+    <p:sldId id="378" r:id="rId20"/>
+    <p:sldId id="379" r:id="rId21"/>
+    <p:sldId id="381" r:id="rId22"/>
+    <p:sldId id="380" r:id="rId23"/>
   </p:sldIdLst>
   <p:sldSz cx="12192000" cy="6858000"/>
   <p:notesSz cx="6858000" cy="9144000"/>
   <p:embeddedFontLst>
     <p:embeddedFont>
       <p:font typeface="Trebuchet MS" panose="020B0603020202020204" pitchFamily="34" charset="0"/>
-      <p:regular r:id="rId13"/>
-      <p:bold r:id="rId14"/>
-      <p:italic r:id="rId15"/>
-      <p:boldItalic r:id="rId16"/>
+      <p:regular r:id="rId25"/>
+      <p:bold r:id="rId26"/>
+      <p:italic r:id="rId27"/>
+      <p:boldItalic r:id="rId28"/>
     </p:embeddedFont>
   </p:embeddedFontLst>
   <p:defaultTextStyle>
@@ -17711,6 +17723,1405 @@
 </p:sld>
 </file>
 
+<file path=ppt/slides/slide11.xml><?xml version="1.0" encoding="utf-8"?>
+<p:sld xmlns:a="http://schemas.openxmlformats.org/drawingml/2006/main" xmlns:r="http://schemas.openxmlformats.org/officeDocument/2006/relationships" xmlns:p="http://schemas.openxmlformats.org/presentationml/2006/main">
+  <p:cSld>
+    <p:bg>
+      <p:bgPr>
+        <a:solidFill>
+          <a:schemeClr val="lt1"/>
+        </a:solidFill>
+        <a:effectLst/>
+      </p:bgPr>
+    </p:bg>
+    <p:spTree>
+      <p:nvGrpSpPr>
+        <p:cNvPr id="1" name=""/>
+        <p:cNvGrpSpPr/>
+        <p:nvPr/>
+      </p:nvGrpSpPr>
+      <p:grpSpPr>
+        <a:xfrm>
+          <a:off x="0" y="0"/>
+          <a:ext cx="0" cy="0"/>
+          <a:chOff x="0" y="0"/>
+          <a:chExt cx="0" cy="0"/>
+        </a:xfrm>
+      </p:grpSpPr>
+      <p:sp>
+        <p:nvSpPr>
+          <p:cNvPr id="4" name="Title 1"/>
+          <p:cNvSpPr>
+            <a:spLocks noGrp="1"/>
+          </p:cNvSpPr>
+          <p:nvPr>
+            <p:ph type="title"/>
+          </p:nvPr>
+        </p:nvSpPr>
+        <p:spPr>
+          <a:xfrm>
+            <a:off x="685800" y="304800"/>
+            <a:ext cx="8596668" cy="304800"/>
+          </a:xfrm>
+        </p:spPr>
+        <p:txBody>
+          <a:bodyPr/>
+          <a:lstStyle/>
+          <a:p>
+            <a:r>
+              <a:rPr lang="en-US" sz="1600" dirty="0"/>
+              <a:t>Git and GitHub</a:t>
+            </a:r>
+          </a:p>
+        </p:txBody>
+      </p:sp>
+      <p:sp>
+        <p:nvSpPr>
+          <p:cNvPr id="3" name="Text Placeholder 2"/>
+          <p:cNvSpPr>
+            <a:spLocks noGrp="1"/>
+          </p:cNvSpPr>
+          <p:nvPr>
+            <p:ph type="body" idx="1"/>
+          </p:nvPr>
+        </p:nvSpPr>
+        <p:spPr>
+          <a:xfrm>
+            <a:off x="677333" y="762001"/>
+            <a:ext cx="8596668" cy="5279362"/>
+          </a:xfrm>
+        </p:spPr>
+        <p:txBody>
+          <a:bodyPr/>
+          <a:lstStyle/>
+          <a:p>
+            <a:pPr fontAlgn="base"/>
+            <a:r>
+              <a:rPr lang="en-GB" sz="1400" dirty="0"/>
+              <a:t>Git is a distributed version-control system for tracking changes in source code during software development. </a:t>
+            </a:r>
+          </a:p>
+          <a:p>
+            <a:pPr fontAlgn="base"/>
+            <a:r>
+              <a:rPr lang="en-GB" sz="1400" dirty="0"/>
+              <a:t>Cloud Storage</a:t>
+            </a:r>
+          </a:p>
+          <a:p>
+            <a:pPr lvl="1" fontAlgn="base"/>
+            <a:r>
+              <a:rPr lang="en-GB" sz="1200" dirty="0"/>
+              <a:t>Copy of source code is stored safely on cloud hosting service which can be accessed over the internet by any developer</a:t>
+            </a:r>
+          </a:p>
+          <a:p>
+            <a:pPr fontAlgn="base"/>
+            <a:r>
+              <a:rPr lang="en-GB" sz="1400" dirty="0"/>
+              <a:t>Version Control:</a:t>
+            </a:r>
+          </a:p>
+          <a:p>
+            <a:pPr lvl="1" fontAlgn="base"/>
+            <a:r>
+              <a:rPr lang="en-GB" sz="1200" dirty="0"/>
+              <a:t>Git takes snapshots of a project, and stores those snapshots as unique versions.</a:t>
+            </a:r>
+          </a:p>
+          <a:p>
+            <a:pPr lvl="1"/>
+            <a:r>
+              <a:rPr lang="en-GB" sz="1200" dirty="0"/>
+              <a:t>If you go off in a direction with your project that you decide was the wrong direction, you can just roll back to the last good version</a:t>
+            </a:r>
+          </a:p>
+          <a:p>
+            <a:r>
+              <a:rPr lang="en-GB" sz="1400" dirty="0"/>
+              <a:t>Collaboration:</a:t>
+            </a:r>
+          </a:p>
+          <a:p>
+            <a:pPr lvl="1"/>
+            <a:r>
+              <a:rPr lang="en-GB" sz="1200" dirty="0"/>
+              <a:t>It is designed for coordinating work among programmers by providing means to make changes to code, sharing the changes across team members, merging the code written by multiple developers ,handling conflicts etc</a:t>
+            </a:r>
+            <a:br>
+              <a:rPr lang="en-GB" sz="1200" dirty="0"/>
+            </a:br>
+            <a:r>
+              <a:rPr lang="en-GB" sz="1200" dirty="0"/>
+              <a:t> </a:t>
+            </a:r>
+            <a:endParaRPr lang="en-IN" sz="1200" dirty="0"/>
+          </a:p>
+        </p:txBody>
+      </p:sp>
+    </p:spTree>
+    <p:extLst>
+      <p:ext uri="{BB962C8B-B14F-4D97-AF65-F5344CB8AC3E}">
+        <p14:creationId xmlns:p14="http://schemas.microsoft.com/office/powerpoint/2010/main" val="3230398035"/>
+      </p:ext>
+    </p:extLst>
+  </p:cSld>
+  <p:clrMapOvr>
+    <a:overrideClrMapping bg1="lt1" tx1="dk1" bg2="dk2" tx2="lt2" accent1="accent1" accent2="accent2" accent3="accent3" accent4="accent4" accent5="accent5" accent6="accent6" hlink="hlink" folHlink="folHlink"/>
+  </p:clrMapOvr>
+</p:sld>
+</file>
+
+<file path=ppt/slides/slide12.xml><?xml version="1.0" encoding="utf-8"?>
+<p:sld xmlns:a="http://schemas.openxmlformats.org/drawingml/2006/main" xmlns:r="http://schemas.openxmlformats.org/officeDocument/2006/relationships" xmlns:p="http://schemas.openxmlformats.org/presentationml/2006/main">
+  <p:cSld>
+    <p:spTree>
+      <p:nvGrpSpPr>
+        <p:cNvPr id="1" name=""/>
+        <p:cNvGrpSpPr/>
+        <p:nvPr/>
+      </p:nvGrpSpPr>
+      <p:grpSpPr>
+        <a:xfrm>
+          <a:off x="0" y="0"/>
+          <a:ext cx="0" cy="0"/>
+          <a:chOff x="0" y="0"/>
+          <a:chExt cx="0" cy="0"/>
+        </a:xfrm>
+      </p:grpSpPr>
+      <p:sp>
+        <p:nvSpPr>
+          <p:cNvPr id="3" name="Text Placeholder 2"/>
+          <p:cNvSpPr>
+            <a:spLocks noGrp="1"/>
+          </p:cNvSpPr>
+          <p:nvPr>
+            <p:ph type="body" idx="1"/>
+          </p:nvPr>
+        </p:nvSpPr>
+        <p:spPr>
+          <a:xfrm>
+            <a:off x="677333" y="762000"/>
+            <a:ext cx="8596668" cy="5486399"/>
+          </a:xfrm>
+        </p:spPr>
+        <p:txBody>
+          <a:bodyPr/>
+          <a:lstStyle/>
+          <a:p>
+            <a:r>
+              <a:rPr lang="en-IN" sz="1600" dirty="0"/>
+              <a:t>Git:</a:t>
+            </a:r>
+          </a:p>
+          <a:p>
+            <a:pPr lvl="1"/>
+            <a:r>
+              <a:rPr lang="en-IN" sz="1400" dirty="0"/>
+              <a:t>Is a version control system that lets you manage and keep track of your source code history</a:t>
+            </a:r>
+          </a:p>
+          <a:p>
+            <a:pPr lvl="1"/>
+            <a:r>
+              <a:rPr lang="en-IN" sz="1400" dirty="0"/>
+              <a:t>Git is a tool that is installed locally on a computer</a:t>
+            </a:r>
+          </a:p>
+          <a:p>
+            <a:pPr lvl="1"/>
+            <a:r>
+              <a:rPr lang="en-IN" sz="1400" dirty="0"/>
+              <a:t>There are a set of commands provided by Git for version control</a:t>
+            </a:r>
+          </a:p>
+          <a:p>
+            <a:r>
+              <a:rPr lang="en-IN" sz="1600" dirty="0"/>
+              <a:t>GitHub:</a:t>
+            </a:r>
+          </a:p>
+          <a:p>
+            <a:pPr lvl="1"/>
+            <a:r>
+              <a:rPr lang="en-IN" sz="1400" dirty="0"/>
+              <a:t>Is a cloud based hosting service that lets you host and manage repositories over internet</a:t>
+            </a:r>
+          </a:p>
+          <a:p>
+            <a:pPr lvl="1"/>
+            <a:r>
+              <a:rPr lang="en-IN" sz="1400" dirty="0"/>
+              <a:t>GitHub is not a tool. It’s a Website where we need to create account for us</a:t>
+            </a:r>
+          </a:p>
+          <a:p>
+            <a:pPr lvl="1"/>
+            <a:r>
+              <a:rPr lang="en-IN" sz="1400" dirty="0"/>
+              <a:t>GitHub website gives GUI to view hosted code</a:t>
+            </a:r>
+          </a:p>
+          <a:p>
+            <a:pPr lvl="1"/>
+            <a:r>
+              <a:rPr lang="en-IN" sz="1400" dirty="0"/>
+              <a:t>GitHub doesn’t have any commands</a:t>
+            </a:r>
+          </a:p>
+          <a:p>
+            <a:pPr lvl="1"/>
+            <a:r>
+              <a:rPr lang="en-IN" sz="1400" dirty="0"/>
+              <a:t>There are many other Cloud based hosting services like GitHub:</a:t>
+            </a:r>
+          </a:p>
+          <a:p>
+            <a:pPr lvl="2"/>
+            <a:r>
+              <a:rPr lang="en-IN" sz="1200" dirty="0"/>
+              <a:t>GitLab</a:t>
+            </a:r>
+          </a:p>
+          <a:p>
+            <a:pPr lvl="2"/>
+            <a:r>
+              <a:rPr lang="en-IN" sz="1200" dirty="0" err="1"/>
+              <a:t>BitBucket</a:t>
+            </a:r>
+            <a:endParaRPr lang="en-IN" sz="1200" dirty="0"/>
+          </a:p>
+        </p:txBody>
+      </p:sp>
+      <p:sp>
+        <p:nvSpPr>
+          <p:cNvPr id="4" name="Title 1"/>
+          <p:cNvSpPr>
+            <a:spLocks noGrp="1"/>
+          </p:cNvSpPr>
+          <p:nvPr>
+            <p:ph type="title"/>
+          </p:nvPr>
+        </p:nvSpPr>
+        <p:spPr>
+          <a:xfrm>
+            <a:off x="685800" y="304800"/>
+            <a:ext cx="8596668" cy="304800"/>
+          </a:xfrm>
+        </p:spPr>
+        <p:txBody>
+          <a:bodyPr/>
+          <a:lstStyle/>
+          <a:p>
+            <a:r>
+              <a:rPr lang="en-US" sz="1600" dirty="0"/>
+              <a:t>Git and GitHub</a:t>
+            </a:r>
+          </a:p>
+        </p:txBody>
+      </p:sp>
+      <p:pic>
+        <p:nvPicPr>
+          <p:cNvPr id="1026" name="Picture 2" descr="Git Best Practices – How to make the most of (g)it">
+            <a:extLst>
+              <a:ext uri="{FF2B5EF4-FFF2-40B4-BE49-F238E27FC236}">
+                <a16:creationId xmlns:a16="http://schemas.microsoft.com/office/drawing/2014/main" id="{AB3405D2-37EE-43EC-8551-DBC5CA4996D2}"/>
+              </a:ext>
+            </a:extLst>
+          </p:cNvPr>
+          <p:cNvPicPr>
+            <a:picLocks noChangeAspect="1" noChangeArrowheads="1"/>
+          </p:cNvPicPr>
+          <p:nvPr/>
+        </p:nvPicPr>
+        <p:blipFill>
+          <a:blip r:embed="rId2">
+            <a:extLst>
+              <a:ext uri="{28A0092B-C50C-407E-A947-70E740481C1C}">
+                <a14:useLocalDpi xmlns:a14="http://schemas.microsoft.com/office/drawing/2010/main" val="0"/>
+              </a:ext>
+            </a:extLst>
+          </a:blip>
+          <a:srcRect/>
+          <a:stretch>
+            <a:fillRect/>
+          </a:stretch>
+        </p:blipFill>
+        <p:spPr bwMode="auto">
+          <a:xfrm>
+            <a:off x="6172200" y="3355848"/>
+            <a:ext cx="3238500" cy="2597277"/>
+          </a:xfrm>
+          <a:prstGeom prst="rect">
+            <a:avLst/>
+          </a:prstGeom>
+          <a:noFill/>
+          <a:extLst>
+            <a:ext uri="{909E8E84-426E-40DD-AFC4-6F175D3DCCD1}">
+              <a14:hiddenFill xmlns:a14="http://schemas.microsoft.com/office/drawing/2010/main">
+                <a:solidFill>
+                  <a:srgbClr val="FFFFFF"/>
+                </a:solidFill>
+              </a14:hiddenFill>
+            </a:ext>
+          </a:extLst>
+        </p:spPr>
+      </p:pic>
+    </p:spTree>
+    <p:extLst>
+      <p:ext uri="{BB962C8B-B14F-4D97-AF65-F5344CB8AC3E}">
+        <p14:creationId xmlns:p14="http://schemas.microsoft.com/office/powerpoint/2010/main" val="3536189921"/>
+      </p:ext>
+    </p:extLst>
+  </p:cSld>
+  <p:clrMapOvr>
+    <a:masterClrMapping/>
+  </p:clrMapOvr>
+</p:sld>
+</file>
+
+<file path=ppt/slides/slide13.xml><?xml version="1.0" encoding="utf-8"?>
+<p:sld xmlns:a="http://schemas.openxmlformats.org/drawingml/2006/main" xmlns:r="http://schemas.openxmlformats.org/officeDocument/2006/relationships" xmlns:p="http://schemas.openxmlformats.org/presentationml/2006/main">
+  <p:cSld>
+    <p:spTree>
+      <p:nvGrpSpPr>
+        <p:cNvPr id="1" name=""/>
+        <p:cNvGrpSpPr/>
+        <p:nvPr/>
+      </p:nvGrpSpPr>
+      <p:grpSpPr>
+        <a:xfrm>
+          <a:off x="0" y="0"/>
+          <a:ext cx="0" cy="0"/>
+          <a:chOff x="0" y="0"/>
+          <a:chExt cx="0" cy="0"/>
+        </a:xfrm>
+      </p:grpSpPr>
+      <p:sp>
+        <p:nvSpPr>
+          <p:cNvPr id="3" name="Text Placeholder 2"/>
+          <p:cNvSpPr>
+            <a:spLocks noGrp="1"/>
+          </p:cNvSpPr>
+          <p:nvPr>
+            <p:ph type="body" idx="1"/>
+          </p:nvPr>
+        </p:nvSpPr>
+        <p:spPr>
+          <a:xfrm>
+            <a:off x="677333" y="762001"/>
+            <a:ext cx="8596668" cy="5279362"/>
+          </a:xfrm>
+        </p:spPr>
+        <p:txBody>
+          <a:bodyPr/>
+          <a:lstStyle/>
+          <a:p>
+            <a:pPr lvl="2" fontAlgn="base"/>
+            <a:endParaRPr lang="en-IN" sz="1100" dirty="0"/>
+          </a:p>
+          <a:p>
+            <a:r>
+              <a:rPr lang="en-IN" sz="1600" dirty="0"/>
+              <a:t>Git Setup</a:t>
+            </a:r>
+          </a:p>
+          <a:p>
+            <a:pPr lvl="1"/>
+            <a:r>
+              <a:rPr lang="en-IN" sz="1400" dirty="0"/>
+              <a:t>Download and install</a:t>
+            </a:r>
+          </a:p>
+          <a:p>
+            <a:pPr lvl="1"/>
+            <a:r>
+              <a:rPr lang="en-GB" sz="1400" dirty="0">
+                <a:hlinkClick r:id="rId2"/>
+              </a:rPr>
+              <a:t>https://github.com/git-for-windows/git/releases/download/v2.27.0.windows.1/Git-2.27.0-64-bit.exe</a:t>
+            </a:r>
+            <a:r>
+              <a:rPr lang="en-GB" sz="1400" dirty="0"/>
+              <a:t> </a:t>
+            </a:r>
+            <a:endParaRPr lang="en-IN" sz="1400" dirty="0"/>
+          </a:p>
+          <a:p>
+            <a:r>
+              <a:rPr lang="en-IN" sz="1600" dirty="0"/>
+              <a:t>GitHub Setup</a:t>
+            </a:r>
+          </a:p>
+          <a:p>
+            <a:pPr lvl="1"/>
+            <a:r>
+              <a:rPr lang="en-IN" sz="1400" dirty="0"/>
+              <a:t>Create account on GitHub</a:t>
+            </a:r>
+          </a:p>
+        </p:txBody>
+      </p:sp>
+      <p:sp>
+        <p:nvSpPr>
+          <p:cNvPr id="4" name="Title 1"/>
+          <p:cNvSpPr>
+            <a:spLocks noGrp="1"/>
+          </p:cNvSpPr>
+          <p:nvPr>
+            <p:ph type="title"/>
+          </p:nvPr>
+        </p:nvSpPr>
+        <p:spPr>
+          <a:xfrm>
+            <a:off x="609600" y="304800"/>
+            <a:ext cx="8596668" cy="304800"/>
+          </a:xfrm>
+        </p:spPr>
+        <p:txBody>
+          <a:bodyPr/>
+          <a:lstStyle/>
+          <a:p>
+            <a:r>
+              <a:rPr lang="en-US" sz="1600" dirty="0"/>
+              <a:t>GIT and GitHub : Setup</a:t>
+            </a:r>
+          </a:p>
+        </p:txBody>
+      </p:sp>
+    </p:spTree>
+    <p:extLst>
+      <p:ext uri="{BB962C8B-B14F-4D97-AF65-F5344CB8AC3E}">
+        <p14:creationId xmlns:p14="http://schemas.microsoft.com/office/powerpoint/2010/main" val="3924040650"/>
+      </p:ext>
+    </p:extLst>
+  </p:cSld>
+  <p:clrMapOvr>
+    <a:masterClrMapping/>
+  </p:clrMapOvr>
+</p:sld>
+</file>
+
+<file path=ppt/slides/slide14.xml><?xml version="1.0" encoding="utf-8"?>
+<p:sld xmlns:a="http://schemas.openxmlformats.org/drawingml/2006/main" xmlns:r="http://schemas.openxmlformats.org/officeDocument/2006/relationships" xmlns:p="http://schemas.openxmlformats.org/presentationml/2006/main">
+  <p:cSld>
+    <p:spTree>
+      <p:nvGrpSpPr>
+        <p:cNvPr id="1" name=""/>
+        <p:cNvGrpSpPr/>
+        <p:nvPr/>
+      </p:nvGrpSpPr>
+      <p:grpSpPr>
+        <a:xfrm>
+          <a:off x="0" y="0"/>
+          <a:ext cx="0" cy="0"/>
+          <a:chOff x="0" y="0"/>
+          <a:chExt cx="0" cy="0"/>
+        </a:xfrm>
+      </p:grpSpPr>
+      <p:sp>
+        <p:nvSpPr>
+          <p:cNvPr id="3" name="Text Placeholder 2"/>
+          <p:cNvSpPr>
+            <a:spLocks noGrp="1"/>
+          </p:cNvSpPr>
+          <p:nvPr>
+            <p:ph type="body" idx="1"/>
+          </p:nvPr>
+        </p:nvSpPr>
+        <p:spPr>
+          <a:xfrm>
+            <a:off x="677333" y="762001"/>
+            <a:ext cx="8596668" cy="5279362"/>
+          </a:xfrm>
+        </p:spPr>
+        <p:txBody>
+          <a:bodyPr/>
+          <a:lstStyle/>
+          <a:p>
+            <a:r>
+              <a:rPr lang="en-IN" sz="1600" dirty="0"/>
+              <a:t>Repository</a:t>
+            </a:r>
+          </a:p>
+          <a:p>
+            <a:pPr lvl="1"/>
+            <a:r>
+              <a:rPr lang="en-GB" sz="1400" dirty="0"/>
+              <a:t>Directory where your project lives </a:t>
+            </a:r>
+          </a:p>
+          <a:p>
+            <a:r>
+              <a:rPr lang="en-GB" sz="1400" dirty="0"/>
+              <a:t>Types of Repositories</a:t>
+            </a:r>
+          </a:p>
+          <a:p>
+            <a:pPr lvl="1"/>
+            <a:r>
+              <a:rPr lang="en-GB" sz="1400" dirty="0"/>
+              <a:t>Local</a:t>
+            </a:r>
+          </a:p>
+          <a:p>
+            <a:pPr lvl="1"/>
+            <a:r>
+              <a:rPr lang="en-GB" sz="1400" dirty="0"/>
+              <a:t>Remote</a:t>
+            </a:r>
+          </a:p>
+          <a:p>
+            <a:r>
+              <a:rPr lang="en-GB" sz="1400" dirty="0"/>
+              <a:t>What is .git folder?</a:t>
+            </a:r>
+          </a:p>
+          <a:p>
+            <a:pPr lvl="1"/>
+            <a:r>
+              <a:rPr lang="en-GB" sz="1200" dirty="0"/>
+              <a:t>Presents in git repository</a:t>
+            </a:r>
+          </a:p>
+          <a:p>
+            <a:pPr lvl="1"/>
+            <a:r>
+              <a:rPr lang="en-GB" sz="1200" dirty="0"/>
+              <a:t>Complete meta data about git repository</a:t>
+            </a:r>
+            <a:endParaRPr lang="en-GB" sz="1600" dirty="0"/>
+          </a:p>
+          <a:p>
+            <a:endParaRPr lang="en-GB" sz="1600" dirty="0"/>
+          </a:p>
+        </p:txBody>
+      </p:sp>
+      <p:sp>
+        <p:nvSpPr>
+          <p:cNvPr id="4" name="Title 1"/>
+          <p:cNvSpPr>
+            <a:spLocks noGrp="1"/>
+          </p:cNvSpPr>
+          <p:nvPr>
+            <p:ph type="title"/>
+          </p:nvPr>
+        </p:nvSpPr>
+        <p:spPr>
+          <a:xfrm>
+            <a:off x="685800" y="304800"/>
+            <a:ext cx="8596668" cy="304800"/>
+          </a:xfrm>
+        </p:spPr>
+        <p:txBody>
+          <a:bodyPr/>
+          <a:lstStyle/>
+          <a:p>
+            <a:r>
+              <a:rPr lang="en-US" sz="1600" dirty="0"/>
+              <a:t>Git Repositories</a:t>
+            </a:r>
+          </a:p>
+        </p:txBody>
+      </p:sp>
+    </p:spTree>
+    <p:extLst>
+      <p:ext uri="{BB962C8B-B14F-4D97-AF65-F5344CB8AC3E}">
+        <p14:creationId xmlns:p14="http://schemas.microsoft.com/office/powerpoint/2010/main" val="2451768478"/>
+      </p:ext>
+    </p:extLst>
+  </p:cSld>
+  <p:clrMapOvr>
+    <a:masterClrMapping/>
+  </p:clrMapOvr>
+</p:sld>
+</file>
+
+<file path=ppt/slides/slide15.xml><?xml version="1.0" encoding="utf-8"?>
+<p:sld xmlns:a="http://schemas.openxmlformats.org/drawingml/2006/main" xmlns:r="http://schemas.openxmlformats.org/officeDocument/2006/relationships" xmlns:p="http://schemas.openxmlformats.org/presentationml/2006/main">
+  <p:cSld>
+    <p:spTree>
+      <p:nvGrpSpPr>
+        <p:cNvPr id="1" name=""/>
+        <p:cNvGrpSpPr/>
+        <p:nvPr/>
+      </p:nvGrpSpPr>
+      <p:grpSpPr>
+        <a:xfrm>
+          <a:off x="0" y="0"/>
+          <a:ext cx="0" cy="0"/>
+          <a:chOff x="0" y="0"/>
+          <a:chExt cx="0" cy="0"/>
+        </a:xfrm>
+      </p:grpSpPr>
+      <p:sp>
+        <p:nvSpPr>
+          <p:cNvPr id="3" name="Text Placeholder 2"/>
+          <p:cNvSpPr>
+            <a:spLocks noGrp="1"/>
+          </p:cNvSpPr>
+          <p:nvPr>
+            <p:ph type="body" idx="1"/>
+          </p:nvPr>
+        </p:nvSpPr>
+        <p:spPr>
+          <a:xfrm>
+            <a:off x="677333" y="762001"/>
+            <a:ext cx="8596668" cy="5279362"/>
+          </a:xfrm>
+        </p:spPr>
+        <p:txBody>
+          <a:bodyPr/>
+          <a:lstStyle/>
+          <a:p>
+            <a:r>
+              <a:rPr lang="en-GB" sz="1600" dirty="0"/>
+              <a:t>Git Commands</a:t>
+            </a:r>
+          </a:p>
+          <a:p>
+            <a:pPr lvl="1"/>
+            <a:r>
+              <a:rPr lang="en-GB" sz="1400" dirty="0"/>
+              <a:t>Creating Repositories</a:t>
+            </a:r>
+          </a:p>
+          <a:p>
+            <a:pPr lvl="1"/>
+            <a:r>
+              <a:rPr lang="en-GB" sz="1400" dirty="0"/>
+              <a:t>Linking Repositories</a:t>
+            </a:r>
+          </a:p>
+          <a:p>
+            <a:pPr lvl="1"/>
+            <a:r>
+              <a:rPr lang="en-GB" sz="1400" dirty="0"/>
+              <a:t>Snapshotting</a:t>
+            </a:r>
+          </a:p>
+          <a:p>
+            <a:pPr lvl="1"/>
+            <a:r>
+              <a:rPr lang="en-GB" sz="1400" dirty="0"/>
+              <a:t>Syncing Repositories</a:t>
+            </a:r>
+          </a:p>
+          <a:p>
+            <a:pPr lvl="1"/>
+            <a:r>
+              <a:rPr lang="en-GB" sz="1400" dirty="0"/>
+              <a:t>Branching</a:t>
+            </a:r>
+          </a:p>
+        </p:txBody>
+      </p:sp>
+      <p:sp>
+        <p:nvSpPr>
+          <p:cNvPr id="4" name="Title 1"/>
+          <p:cNvSpPr>
+            <a:spLocks noGrp="1"/>
+          </p:cNvSpPr>
+          <p:nvPr>
+            <p:ph type="title"/>
+          </p:nvPr>
+        </p:nvSpPr>
+        <p:spPr>
+          <a:xfrm>
+            <a:off x="685800" y="304800"/>
+            <a:ext cx="8596668" cy="304800"/>
+          </a:xfrm>
+        </p:spPr>
+        <p:txBody>
+          <a:bodyPr/>
+          <a:lstStyle/>
+          <a:p>
+            <a:r>
+              <a:rPr lang="en-US" sz="1600" dirty="0"/>
+              <a:t>Git Commands</a:t>
+            </a:r>
+          </a:p>
+        </p:txBody>
+      </p:sp>
+    </p:spTree>
+    <p:extLst>
+      <p:ext uri="{BB962C8B-B14F-4D97-AF65-F5344CB8AC3E}">
+        <p14:creationId xmlns:p14="http://schemas.microsoft.com/office/powerpoint/2010/main" val="1725866976"/>
+      </p:ext>
+    </p:extLst>
+  </p:cSld>
+  <p:clrMapOvr>
+    <a:masterClrMapping/>
+  </p:clrMapOvr>
+</p:sld>
+</file>
+
+<file path=ppt/slides/slide16.xml><?xml version="1.0" encoding="utf-8"?>
+<p:sld xmlns:a="http://schemas.openxmlformats.org/drawingml/2006/main" xmlns:r="http://schemas.openxmlformats.org/officeDocument/2006/relationships" xmlns:p="http://schemas.openxmlformats.org/presentationml/2006/main">
+  <p:cSld>
+    <p:spTree>
+      <p:nvGrpSpPr>
+        <p:cNvPr id="1" name=""/>
+        <p:cNvGrpSpPr/>
+        <p:nvPr/>
+      </p:nvGrpSpPr>
+      <p:grpSpPr>
+        <a:xfrm>
+          <a:off x="0" y="0"/>
+          <a:ext cx="0" cy="0"/>
+          <a:chOff x="0" y="0"/>
+          <a:chExt cx="0" cy="0"/>
+        </a:xfrm>
+      </p:grpSpPr>
+      <p:sp>
+        <p:nvSpPr>
+          <p:cNvPr id="3" name="Text Placeholder 2"/>
+          <p:cNvSpPr>
+            <a:spLocks noGrp="1"/>
+          </p:cNvSpPr>
+          <p:nvPr>
+            <p:ph type="body" idx="1"/>
+          </p:nvPr>
+        </p:nvSpPr>
+        <p:spPr>
+          <a:xfrm>
+            <a:off x="677333" y="762001"/>
+            <a:ext cx="8596668" cy="5279362"/>
+          </a:xfrm>
+        </p:spPr>
+        <p:txBody>
+          <a:bodyPr/>
+          <a:lstStyle/>
+          <a:p>
+            <a:r>
+              <a:rPr lang="en-GB" sz="1400" dirty="0"/>
+              <a:t>Case 1:  Remote repository is already there on GitHub</a:t>
+            </a:r>
+          </a:p>
+          <a:p>
+            <a:pPr lvl="1"/>
+            <a:r>
+              <a:rPr lang="en-GB" sz="1200" dirty="0"/>
+              <a:t>Creating Remote Repository:</a:t>
+            </a:r>
+          </a:p>
+          <a:p>
+            <a:pPr lvl="2"/>
+            <a:r>
+              <a:rPr lang="en-GB" sz="1200" dirty="0"/>
+              <a:t>No need to create a remote repository as its already there</a:t>
+            </a:r>
+          </a:p>
+          <a:p>
+            <a:pPr lvl="1"/>
+            <a:r>
+              <a:rPr lang="en-GB" sz="1200" dirty="0"/>
+              <a:t>Creating a local repository</a:t>
+            </a:r>
+          </a:p>
+          <a:p>
+            <a:pPr lvl="2"/>
+            <a:r>
+              <a:rPr lang="en-GB" sz="1200" dirty="0"/>
+              <a:t>Using</a:t>
+            </a:r>
+            <a:r>
+              <a:rPr lang="en-GB" sz="1200" b="1" i="1" dirty="0"/>
+              <a:t> git clone</a:t>
+            </a:r>
+          </a:p>
+          <a:p>
+            <a:pPr lvl="3"/>
+            <a:r>
+              <a:rPr lang="en-GB" dirty="0"/>
+              <a:t>The "clone" command downloads an existing remote Git repository to your local computer</a:t>
+            </a:r>
+          </a:p>
+          <a:p>
+            <a:r>
+              <a:rPr lang="en-GB" sz="1400" dirty="0"/>
+              <a:t>Case 2: When a locally developed project has to be pushed for the first time</a:t>
+            </a:r>
+          </a:p>
+          <a:p>
+            <a:pPr lvl="1"/>
+            <a:r>
+              <a:rPr lang="en-GB" sz="1200" dirty="0"/>
+              <a:t>Creating a local repository</a:t>
+            </a:r>
+          </a:p>
+          <a:p>
+            <a:pPr lvl="2"/>
+            <a:r>
+              <a:rPr lang="en-GB" sz="1000" dirty="0"/>
+              <a:t>Create a Java Project and write your code</a:t>
+            </a:r>
+          </a:p>
+          <a:p>
+            <a:pPr lvl="2"/>
+            <a:r>
+              <a:rPr lang="en-GB" sz="1000" dirty="0"/>
+              <a:t>Execute </a:t>
+            </a:r>
+            <a:r>
+              <a:rPr lang="en-GB" sz="1000" b="1" i="1" dirty="0"/>
+              <a:t>git </a:t>
+            </a:r>
+            <a:r>
+              <a:rPr lang="en-GB" sz="1000" b="1" i="1" dirty="0" err="1"/>
+              <a:t>init</a:t>
+            </a:r>
+            <a:r>
+              <a:rPr lang="en-GB" sz="1000" i="1" dirty="0"/>
+              <a:t> command inside Maven project</a:t>
+            </a:r>
+          </a:p>
+          <a:p>
+            <a:pPr lvl="2"/>
+            <a:r>
+              <a:rPr lang="en-GB" sz="1050" dirty="0"/>
+              <a:t>Init command Initializes your Java project as local git repository</a:t>
+            </a:r>
+            <a:endParaRPr lang="en-GB" sz="1200" dirty="0"/>
+          </a:p>
+          <a:p>
+            <a:pPr lvl="1"/>
+            <a:r>
+              <a:rPr lang="en-GB" sz="1200" dirty="0"/>
+              <a:t>Creating remote Repository:</a:t>
+            </a:r>
+          </a:p>
+          <a:p>
+            <a:pPr lvl="2"/>
+            <a:r>
+              <a:rPr lang="en-GB" sz="1000" dirty="0"/>
+              <a:t>Create a repository on GitHub website</a:t>
+            </a:r>
+          </a:p>
+          <a:p>
+            <a:pPr lvl="2"/>
+            <a:endParaRPr lang="en-GB" sz="1000" dirty="0"/>
+          </a:p>
+          <a:p>
+            <a:pPr lvl="2"/>
+            <a:endParaRPr lang="en-GB" sz="1000" dirty="0"/>
+          </a:p>
+        </p:txBody>
+      </p:sp>
+      <p:sp>
+        <p:nvSpPr>
+          <p:cNvPr id="4" name="Title 1"/>
+          <p:cNvSpPr>
+            <a:spLocks noGrp="1"/>
+          </p:cNvSpPr>
+          <p:nvPr>
+            <p:ph type="title"/>
+          </p:nvPr>
+        </p:nvSpPr>
+        <p:spPr>
+          <a:xfrm>
+            <a:off x="685800" y="304800"/>
+            <a:ext cx="8596668" cy="304800"/>
+          </a:xfrm>
+        </p:spPr>
+        <p:txBody>
+          <a:bodyPr/>
+          <a:lstStyle/>
+          <a:p>
+            <a:r>
+              <a:rPr lang="en-US" sz="1600" dirty="0"/>
+              <a:t>Git Commands : </a:t>
+            </a:r>
+            <a:r>
+              <a:rPr lang="en-IN" sz="1600" dirty="0"/>
+              <a:t>Creating repositories</a:t>
+            </a:r>
+            <a:endParaRPr lang="en-US" sz="1600" dirty="0"/>
+          </a:p>
+        </p:txBody>
+      </p:sp>
+    </p:spTree>
+    <p:extLst>
+      <p:ext uri="{BB962C8B-B14F-4D97-AF65-F5344CB8AC3E}">
+        <p14:creationId xmlns:p14="http://schemas.microsoft.com/office/powerpoint/2010/main" val="285107580"/>
+      </p:ext>
+    </p:extLst>
+  </p:cSld>
+  <p:clrMapOvr>
+    <a:masterClrMapping/>
+  </p:clrMapOvr>
+</p:sld>
+</file>
+
+<file path=ppt/slides/slide17.xml><?xml version="1.0" encoding="utf-8"?>
+<p:sld xmlns:a="http://schemas.openxmlformats.org/drawingml/2006/main" xmlns:r="http://schemas.openxmlformats.org/officeDocument/2006/relationships" xmlns:p="http://schemas.openxmlformats.org/presentationml/2006/main">
+  <p:cSld>
+    <p:spTree>
+      <p:nvGrpSpPr>
+        <p:cNvPr id="1" name=""/>
+        <p:cNvGrpSpPr/>
+        <p:nvPr/>
+      </p:nvGrpSpPr>
+      <p:grpSpPr>
+        <a:xfrm>
+          <a:off x="0" y="0"/>
+          <a:ext cx="0" cy="0"/>
+          <a:chOff x="0" y="0"/>
+          <a:chExt cx="0" cy="0"/>
+        </a:xfrm>
+      </p:grpSpPr>
+      <p:sp>
+        <p:nvSpPr>
+          <p:cNvPr id="3" name="Text Placeholder 2"/>
+          <p:cNvSpPr>
+            <a:spLocks noGrp="1"/>
+          </p:cNvSpPr>
+          <p:nvPr>
+            <p:ph type="body" idx="1"/>
+          </p:nvPr>
+        </p:nvSpPr>
+        <p:spPr>
+          <a:xfrm>
+            <a:off x="677333" y="762001"/>
+            <a:ext cx="8596668" cy="5279362"/>
+          </a:xfrm>
+        </p:spPr>
+        <p:txBody>
+          <a:bodyPr/>
+          <a:lstStyle/>
+          <a:p>
+            <a:r>
+              <a:rPr lang="en-GB" sz="1400" dirty="0"/>
+              <a:t>Case 1:  Remote repository is already there on GitHub</a:t>
+            </a:r>
+          </a:p>
+          <a:p>
+            <a:pPr lvl="1" fontAlgn="base"/>
+            <a:r>
+              <a:rPr lang="en-GB" sz="1400" dirty="0"/>
+              <a:t>We clone remote repository to get a copy of already existing remote GitHub  repository</a:t>
+            </a:r>
+          </a:p>
+          <a:p>
+            <a:pPr lvl="1" fontAlgn="base"/>
+            <a:r>
+              <a:rPr lang="en-GB" sz="1400" dirty="0"/>
+              <a:t>If you clone a remote repository, Then they both are linked automatically</a:t>
+            </a:r>
+          </a:p>
+          <a:p>
+            <a:r>
+              <a:rPr lang="en-GB" sz="1400" dirty="0"/>
+              <a:t>Case 2: When a locally developed project has to be pushed for the first time</a:t>
+            </a:r>
+          </a:p>
+          <a:p>
+            <a:pPr lvl="1" fontAlgn="base"/>
+            <a:r>
+              <a:rPr lang="en-GB" sz="1400" dirty="0"/>
+              <a:t>They have to be linked by executing this command </a:t>
+            </a:r>
+          </a:p>
+          <a:p>
+            <a:pPr lvl="2"/>
+            <a:r>
+              <a:rPr lang="en-GB" b="1" i="1" dirty="0"/>
+              <a:t>git remote add origin </a:t>
+            </a:r>
+            <a:r>
+              <a:rPr lang="en-GB" b="1" i="1" dirty="0" err="1"/>
+              <a:t>gitrepourl</a:t>
+            </a:r>
+            <a:r>
+              <a:rPr lang="en-GB" sz="1000" b="1" i="1" dirty="0"/>
+              <a:t> </a:t>
+            </a:r>
+          </a:p>
+          <a:p>
+            <a:pPr lvl="2"/>
+            <a:r>
+              <a:rPr lang="en-GB" dirty="0"/>
+              <a:t>Here origin is the alias or short name of the remote repo URL</a:t>
+            </a:r>
+          </a:p>
+          <a:p>
+            <a:pPr lvl="2"/>
+            <a:r>
+              <a:rPr lang="en-GB" dirty="0"/>
+              <a:t>Where do we get </a:t>
+            </a:r>
+            <a:r>
+              <a:rPr lang="en-GB" dirty="0" err="1"/>
+              <a:t>gitrepourl</a:t>
+            </a:r>
+            <a:r>
+              <a:rPr lang="en-GB" dirty="0"/>
+              <a:t>?</a:t>
+            </a:r>
+          </a:p>
+          <a:p>
+            <a:pPr lvl="2"/>
+            <a:endParaRPr lang="en-GB" sz="1000" dirty="0"/>
+          </a:p>
+        </p:txBody>
+      </p:sp>
+      <p:sp>
+        <p:nvSpPr>
+          <p:cNvPr id="4" name="Title 1"/>
+          <p:cNvSpPr>
+            <a:spLocks noGrp="1"/>
+          </p:cNvSpPr>
+          <p:nvPr>
+            <p:ph type="title"/>
+          </p:nvPr>
+        </p:nvSpPr>
+        <p:spPr>
+          <a:xfrm>
+            <a:off x="685800" y="304800"/>
+            <a:ext cx="8596668" cy="304800"/>
+          </a:xfrm>
+        </p:spPr>
+        <p:txBody>
+          <a:bodyPr/>
+          <a:lstStyle/>
+          <a:p>
+            <a:r>
+              <a:rPr lang="en-US" sz="1600" dirty="0"/>
+              <a:t>Git Commands : Linking remote and local repositories</a:t>
+            </a:r>
+          </a:p>
+        </p:txBody>
+      </p:sp>
+    </p:spTree>
+    <p:extLst>
+      <p:ext uri="{BB962C8B-B14F-4D97-AF65-F5344CB8AC3E}">
+        <p14:creationId xmlns:p14="http://schemas.microsoft.com/office/powerpoint/2010/main" val="3578277943"/>
+      </p:ext>
+    </p:extLst>
+  </p:cSld>
+  <p:clrMapOvr>
+    <a:masterClrMapping/>
+  </p:clrMapOvr>
+</p:sld>
+</file>
+
+<file path=ppt/slides/slide18.xml><?xml version="1.0" encoding="utf-8"?>
+<p:sld xmlns:a="http://schemas.openxmlformats.org/drawingml/2006/main" xmlns:r="http://schemas.openxmlformats.org/officeDocument/2006/relationships" xmlns:p="http://schemas.openxmlformats.org/presentationml/2006/main">
+  <p:cSld>
+    <p:spTree>
+      <p:nvGrpSpPr>
+        <p:cNvPr id="1" name=""/>
+        <p:cNvGrpSpPr/>
+        <p:nvPr/>
+      </p:nvGrpSpPr>
+      <p:grpSpPr>
+        <a:xfrm>
+          <a:off x="0" y="0"/>
+          <a:ext cx="0" cy="0"/>
+          <a:chOff x="0" y="0"/>
+          <a:chExt cx="0" cy="0"/>
+        </a:xfrm>
+      </p:grpSpPr>
+      <p:sp>
+        <p:nvSpPr>
+          <p:cNvPr id="3" name="Text Placeholder 2"/>
+          <p:cNvSpPr>
+            <a:spLocks noGrp="1"/>
+          </p:cNvSpPr>
+          <p:nvPr>
+            <p:ph type="body" idx="1"/>
+          </p:nvPr>
+        </p:nvSpPr>
+        <p:spPr>
+          <a:xfrm>
+            <a:off x="677333" y="762001"/>
+            <a:ext cx="8596668" cy="5279362"/>
+          </a:xfrm>
+        </p:spPr>
+        <p:txBody>
+          <a:bodyPr/>
+          <a:lstStyle/>
+          <a:p>
+            <a:r>
+              <a:rPr lang="en-GB" sz="1400" dirty="0"/>
+              <a:t>Git Architecture</a:t>
+            </a:r>
+          </a:p>
+          <a:p>
+            <a:pPr lvl="1"/>
+            <a:r>
+              <a:rPr lang="en-GB" sz="1200" dirty="0"/>
+              <a:t>Working Directory</a:t>
+            </a:r>
+          </a:p>
+          <a:p>
+            <a:pPr lvl="1"/>
+            <a:r>
+              <a:rPr lang="en-GB" sz="1200" dirty="0"/>
+              <a:t>Staging Area:</a:t>
+            </a:r>
+          </a:p>
+          <a:p>
+            <a:pPr lvl="2"/>
+            <a:r>
+              <a:rPr lang="en-GB" sz="1000" dirty="0"/>
+              <a:t>This is an intermediate area where commits can be formatted and reviewed before completing the commit.</a:t>
+            </a:r>
+          </a:p>
+          <a:p>
+            <a:pPr lvl="1"/>
+            <a:r>
+              <a:rPr lang="en-GB" sz="1200" dirty="0"/>
+              <a:t>Local Repository</a:t>
+            </a:r>
+          </a:p>
+          <a:p>
+            <a:pPr lvl="1"/>
+            <a:endParaRPr lang="en-GB" sz="1200" dirty="0"/>
+          </a:p>
+        </p:txBody>
+      </p:sp>
+      <p:sp>
+        <p:nvSpPr>
+          <p:cNvPr id="4" name="Title 1"/>
+          <p:cNvSpPr>
+            <a:spLocks noGrp="1"/>
+          </p:cNvSpPr>
+          <p:nvPr>
+            <p:ph type="title"/>
+          </p:nvPr>
+        </p:nvSpPr>
+        <p:spPr>
+          <a:xfrm>
+            <a:off x="685800" y="304800"/>
+            <a:ext cx="8596668" cy="304800"/>
+          </a:xfrm>
+        </p:spPr>
+        <p:txBody>
+          <a:bodyPr/>
+          <a:lstStyle/>
+          <a:p>
+            <a:r>
+              <a:rPr lang="en-US" sz="1600" dirty="0"/>
+              <a:t>Git Commands : Snapshot commands</a:t>
+            </a:r>
+          </a:p>
+        </p:txBody>
+      </p:sp>
+      <p:pic>
+        <p:nvPicPr>
+          <p:cNvPr id="2" name="Picture 1">
+            <a:extLst>
+              <a:ext uri="{FF2B5EF4-FFF2-40B4-BE49-F238E27FC236}">
+                <a16:creationId xmlns:a16="http://schemas.microsoft.com/office/drawing/2014/main" id="{BD2AF770-EC4A-4D50-B57F-F9A8084B7CAF}"/>
+              </a:ext>
+            </a:extLst>
+          </p:cNvPr>
+          <p:cNvPicPr>
+            <a:picLocks noChangeAspect="1"/>
+          </p:cNvPicPr>
+          <p:nvPr/>
+        </p:nvPicPr>
+        <p:blipFill>
+          <a:blip r:embed="rId2"/>
+          <a:stretch>
+            <a:fillRect/>
+          </a:stretch>
+        </p:blipFill>
+        <p:spPr>
+          <a:xfrm>
+            <a:off x="2362200" y="2590800"/>
+            <a:ext cx="4394525" cy="2514600"/>
+          </a:xfrm>
+          <a:prstGeom prst="rect">
+            <a:avLst/>
+          </a:prstGeom>
+        </p:spPr>
+      </p:pic>
+    </p:spTree>
+    <p:extLst>
+      <p:ext uri="{BB962C8B-B14F-4D97-AF65-F5344CB8AC3E}">
+        <p14:creationId xmlns:p14="http://schemas.microsoft.com/office/powerpoint/2010/main" val="834031622"/>
+      </p:ext>
+    </p:extLst>
+  </p:cSld>
+  <p:clrMapOvr>
+    <a:masterClrMapping/>
+  </p:clrMapOvr>
+</p:sld>
+</file>
+
+<file path=ppt/slides/slide19.xml><?xml version="1.0" encoding="utf-8"?>
+<p:sld xmlns:a="http://schemas.openxmlformats.org/drawingml/2006/main" xmlns:r="http://schemas.openxmlformats.org/officeDocument/2006/relationships" xmlns:p="http://schemas.openxmlformats.org/presentationml/2006/main">
+  <p:cSld>
+    <p:spTree>
+      <p:nvGrpSpPr>
+        <p:cNvPr id="1" name=""/>
+        <p:cNvGrpSpPr/>
+        <p:nvPr/>
+      </p:nvGrpSpPr>
+      <p:grpSpPr>
+        <a:xfrm>
+          <a:off x="0" y="0"/>
+          <a:ext cx="0" cy="0"/>
+          <a:chOff x="0" y="0"/>
+          <a:chExt cx="0" cy="0"/>
+        </a:xfrm>
+      </p:grpSpPr>
+      <p:sp>
+        <p:nvSpPr>
+          <p:cNvPr id="3" name="Text Placeholder 2"/>
+          <p:cNvSpPr>
+            <a:spLocks noGrp="1"/>
+          </p:cNvSpPr>
+          <p:nvPr>
+            <p:ph type="body" idx="1"/>
+          </p:nvPr>
+        </p:nvSpPr>
+        <p:spPr>
+          <a:xfrm>
+            <a:off x="677333" y="762001"/>
+            <a:ext cx="8596668" cy="5279362"/>
+          </a:xfrm>
+        </p:spPr>
+        <p:txBody>
+          <a:bodyPr/>
+          <a:lstStyle/>
+          <a:p>
+            <a:pPr lvl="1"/>
+            <a:r>
+              <a:rPr lang="en-GB" sz="1200" dirty="0"/>
+              <a:t>Listing modified files in your Local Repository</a:t>
+            </a:r>
+          </a:p>
+          <a:p>
+            <a:pPr lvl="2"/>
+            <a:r>
+              <a:rPr lang="en-GB" b="1" i="1" dirty="0">
+                <a:solidFill>
+                  <a:schemeClr val="accent4">
+                    <a:lumMod val="75000"/>
+                  </a:schemeClr>
+                </a:solidFill>
+              </a:rPr>
+              <a:t>git status</a:t>
+            </a:r>
+          </a:p>
+          <a:p>
+            <a:pPr lvl="1"/>
+            <a:r>
+              <a:rPr lang="en-GB" sz="1200" dirty="0"/>
+              <a:t>Adding changes to staging area (Staging Changes)</a:t>
+            </a:r>
+          </a:p>
+          <a:p>
+            <a:pPr lvl="2"/>
+            <a:r>
+              <a:rPr lang="en-GB" sz="1200" b="1" i="1" dirty="0">
+                <a:solidFill>
+                  <a:schemeClr val="accent4">
+                    <a:lumMod val="75000"/>
+                  </a:schemeClr>
+                </a:solidFill>
+              </a:rPr>
+              <a:t>git add .</a:t>
+            </a:r>
+          </a:p>
+          <a:p>
+            <a:pPr lvl="2"/>
+            <a:r>
+              <a:rPr lang="en-GB" sz="1200" b="1" i="1" dirty="0">
+                <a:solidFill>
+                  <a:schemeClr val="accent4">
+                    <a:lumMod val="75000"/>
+                  </a:schemeClr>
+                </a:solidFill>
+              </a:rPr>
+              <a:t>git add file1 file2 file3</a:t>
+            </a:r>
+          </a:p>
+          <a:p>
+            <a:pPr lvl="1"/>
+            <a:r>
+              <a:rPr lang="en-GB" sz="1200" dirty="0"/>
+              <a:t>Resetting changes from staging area (Un-staging Changes)</a:t>
+            </a:r>
+          </a:p>
+          <a:p>
+            <a:pPr lvl="2"/>
+            <a:r>
+              <a:rPr lang="en-GB" sz="1200" b="1" i="1" dirty="0">
+                <a:solidFill>
+                  <a:schemeClr val="accent4">
+                    <a:lumMod val="75000"/>
+                  </a:schemeClr>
+                </a:solidFill>
+              </a:rPr>
+              <a:t>git reset</a:t>
+            </a:r>
+          </a:p>
+          <a:p>
+            <a:pPr lvl="1"/>
+            <a:r>
+              <a:rPr lang="en-GB" sz="1200" dirty="0"/>
+              <a:t>Committing changes to local repository</a:t>
+            </a:r>
+          </a:p>
+          <a:p>
+            <a:pPr lvl="2"/>
+            <a:r>
+              <a:rPr lang="en-GB" sz="1200" b="1" i="1" dirty="0">
+                <a:solidFill>
+                  <a:schemeClr val="accent4">
+                    <a:lumMod val="75000"/>
+                  </a:schemeClr>
+                </a:solidFill>
+              </a:rPr>
+              <a:t>git commit -m "commit message" </a:t>
+            </a:r>
+          </a:p>
+        </p:txBody>
+      </p:sp>
+      <p:sp>
+        <p:nvSpPr>
+          <p:cNvPr id="4" name="Title 1"/>
+          <p:cNvSpPr>
+            <a:spLocks noGrp="1"/>
+          </p:cNvSpPr>
+          <p:nvPr>
+            <p:ph type="title"/>
+          </p:nvPr>
+        </p:nvSpPr>
+        <p:spPr>
+          <a:xfrm>
+            <a:off x="685800" y="304800"/>
+            <a:ext cx="8596668" cy="304800"/>
+          </a:xfrm>
+        </p:spPr>
+        <p:txBody>
+          <a:bodyPr/>
+          <a:lstStyle/>
+          <a:p>
+            <a:r>
+              <a:rPr lang="en-US" sz="1600" dirty="0"/>
+              <a:t>Git Commands : Snapshot commands</a:t>
+            </a:r>
+          </a:p>
+        </p:txBody>
+      </p:sp>
+    </p:spTree>
+    <p:extLst>
+      <p:ext uri="{BB962C8B-B14F-4D97-AF65-F5344CB8AC3E}">
+        <p14:creationId xmlns:p14="http://schemas.microsoft.com/office/powerpoint/2010/main" val="696641674"/>
+      </p:ext>
+    </p:extLst>
+  </p:cSld>
+  <p:clrMapOvr>
+    <a:masterClrMapping/>
+  </p:clrMapOvr>
+</p:sld>
+</file>
+
 <file path=ppt/slides/slide2.xml><?xml version="1.0" encoding="utf-8"?>
 <p:sld xmlns:a="http://schemas.openxmlformats.org/drawingml/2006/main" xmlns:r="http://schemas.openxmlformats.org/officeDocument/2006/relationships" xmlns:p="http://schemas.openxmlformats.org/presentationml/2006/main">
   <p:cSld>
@@ -18044,6 +19455,699 @@
         </p:spPr>
       </p:pic>
     </p:spTree>
+  </p:cSld>
+  <p:clrMapOvr>
+    <a:masterClrMapping/>
+  </p:clrMapOvr>
+</p:sld>
+</file>
+
+<file path=ppt/slides/slide20.xml><?xml version="1.0" encoding="utf-8"?>
+<p:sld xmlns:a="http://schemas.openxmlformats.org/drawingml/2006/main" xmlns:r="http://schemas.openxmlformats.org/officeDocument/2006/relationships" xmlns:p="http://schemas.openxmlformats.org/presentationml/2006/main">
+  <p:cSld>
+    <p:spTree>
+      <p:nvGrpSpPr>
+        <p:cNvPr id="1" name=""/>
+        <p:cNvGrpSpPr/>
+        <p:nvPr/>
+      </p:nvGrpSpPr>
+      <p:grpSpPr>
+        <a:xfrm>
+          <a:off x="0" y="0"/>
+          <a:ext cx="0" cy="0"/>
+          <a:chOff x="0" y="0"/>
+          <a:chExt cx="0" cy="0"/>
+        </a:xfrm>
+      </p:grpSpPr>
+      <p:sp>
+        <p:nvSpPr>
+          <p:cNvPr id="3" name="Text Placeholder 2"/>
+          <p:cNvSpPr>
+            <a:spLocks noGrp="1"/>
+          </p:cNvSpPr>
+          <p:nvPr>
+            <p:ph type="body" idx="1"/>
+          </p:nvPr>
+        </p:nvSpPr>
+        <p:spPr>
+          <a:xfrm>
+            <a:off x="677333" y="762001"/>
+            <a:ext cx="8596668" cy="5279362"/>
+          </a:xfrm>
+        </p:spPr>
+        <p:txBody>
+          <a:bodyPr/>
+          <a:lstStyle/>
+          <a:p>
+            <a:pPr lvl="1"/>
+            <a:r>
+              <a:rPr lang="en-GB" sz="1200" dirty="0"/>
+              <a:t>To push local repository code to Remote repository</a:t>
+            </a:r>
+          </a:p>
+          <a:p>
+            <a:pPr lvl="2"/>
+            <a:r>
+              <a:rPr lang="en-GB" sz="1200" b="1" i="1" dirty="0">
+                <a:solidFill>
+                  <a:schemeClr val="accent4">
+                    <a:lumMod val="75000"/>
+                  </a:schemeClr>
+                </a:solidFill>
+              </a:rPr>
+              <a:t>git push origin &lt;</a:t>
+            </a:r>
+            <a:r>
+              <a:rPr lang="en-GB" sz="1200" b="1" i="1" dirty="0" err="1">
+                <a:solidFill>
+                  <a:schemeClr val="accent4">
+                    <a:lumMod val="75000"/>
+                  </a:schemeClr>
+                </a:solidFill>
+              </a:rPr>
+              <a:t>branchname</a:t>
+            </a:r>
+            <a:r>
+              <a:rPr lang="en-GB" sz="1200" b="1" i="1" dirty="0">
+                <a:solidFill>
+                  <a:schemeClr val="accent4">
+                    <a:lumMod val="75000"/>
+                  </a:schemeClr>
+                </a:solidFill>
+              </a:rPr>
+              <a:t>&gt;</a:t>
+            </a:r>
+          </a:p>
+          <a:p>
+            <a:pPr lvl="2"/>
+            <a:r>
+              <a:rPr lang="en-GB" dirty="0"/>
+              <a:t>Pushes the committed code from local repository to remote repository</a:t>
+            </a:r>
+          </a:p>
+          <a:p>
+            <a:pPr lvl="1"/>
+            <a:r>
+              <a:rPr lang="en-GB" sz="1400" dirty="0"/>
+              <a:t>To pull remote repository code to local repository</a:t>
+            </a:r>
+          </a:p>
+          <a:p>
+            <a:pPr lvl="2"/>
+            <a:r>
+              <a:rPr lang="en-GB" sz="1200" b="1" i="1" dirty="0">
+                <a:solidFill>
+                  <a:schemeClr val="accent4">
+                    <a:lumMod val="75000"/>
+                  </a:schemeClr>
+                </a:solidFill>
+              </a:rPr>
+              <a:t>git pull origin &lt;</a:t>
+            </a:r>
+            <a:r>
+              <a:rPr lang="en-GB" sz="1200" b="1" i="1" dirty="0" err="1">
+                <a:solidFill>
+                  <a:schemeClr val="accent4">
+                    <a:lumMod val="75000"/>
+                  </a:schemeClr>
+                </a:solidFill>
+              </a:rPr>
+              <a:t>branchname</a:t>
+            </a:r>
+            <a:r>
+              <a:rPr lang="en-GB" sz="1200" b="1" i="1" dirty="0">
+                <a:solidFill>
+                  <a:schemeClr val="accent4">
+                    <a:lumMod val="75000"/>
+                  </a:schemeClr>
+                </a:solidFill>
+              </a:rPr>
+              <a:t>&gt;</a:t>
+            </a:r>
+          </a:p>
+          <a:p>
+            <a:pPr lvl="2"/>
+            <a:r>
+              <a:rPr lang="en-GB" dirty="0"/>
+              <a:t>Pulls the latest code from remote repository and merges with local committed code </a:t>
+            </a:r>
+            <a:endParaRPr lang="en-GB" b="1" i="1" dirty="0">
+              <a:solidFill>
+                <a:schemeClr val="accent4">
+                  <a:lumMod val="75000"/>
+                </a:schemeClr>
+              </a:solidFill>
+            </a:endParaRPr>
+          </a:p>
+          <a:p>
+            <a:pPr lvl="2"/>
+            <a:endParaRPr lang="en-GB" sz="1200" dirty="0"/>
+          </a:p>
+          <a:p>
+            <a:pPr lvl="1"/>
+            <a:endParaRPr lang="en-GB" sz="1400" b="1" i="1" dirty="0">
+              <a:solidFill>
+                <a:schemeClr val="accent4">
+                  <a:lumMod val="75000"/>
+                </a:schemeClr>
+              </a:solidFill>
+            </a:endParaRPr>
+          </a:p>
+        </p:txBody>
+      </p:sp>
+      <p:sp>
+        <p:nvSpPr>
+          <p:cNvPr id="4" name="Title 1"/>
+          <p:cNvSpPr>
+            <a:spLocks noGrp="1"/>
+          </p:cNvSpPr>
+          <p:nvPr>
+            <p:ph type="title"/>
+          </p:nvPr>
+        </p:nvSpPr>
+        <p:spPr>
+          <a:xfrm>
+            <a:off x="685800" y="304800"/>
+            <a:ext cx="8596668" cy="304800"/>
+          </a:xfrm>
+        </p:spPr>
+        <p:txBody>
+          <a:bodyPr/>
+          <a:lstStyle/>
+          <a:p>
+            <a:r>
+              <a:rPr lang="en-US" sz="1600" dirty="0"/>
+              <a:t>Git Commands : Syncing commands</a:t>
+            </a:r>
+          </a:p>
+        </p:txBody>
+      </p:sp>
+    </p:spTree>
+    <p:extLst>
+      <p:ext uri="{BB962C8B-B14F-4D97-AF65-F5344CB8AC3E}">
+        <p14:creationId xmlns:p14="http://schemas.microsoft.com/office/powerpoint/2010/main" val="3347652256"/>
+      </p:ext>
+    </p:extLst>
+  </p:cSld>
+  <p:clrMapOvr>
+    <a:masterClrMapping/>
+  </p:clrMapOvr>
+</p:sld>
+</file>
+
+<file path=ppt/slides/slide21.xml><?xml version="1.0" encoding="utf-8"?>
+<p:sld xmlns:a="http://schemas.openxmlformats.org/drawingml/2006/main" xmlns:r="http://schemas.openxmlformats.org/officeDocument/2006/relationships" xmlns:p="http://schemas.openxmlformats.org/presentationml/2006/main">
+  <p:cSld>
+    <p:spTree>
+      <p:nvGrpSpPr>
+        <p:cNvPr id="1" name=""/>
+        <p:cNvGrpSpPr/>
+        <p:nvPr/>
+      </p:nvGrpSpPr>
+      <p:grpSpPr>
+        <a:xfrm>
+          <a:off x="0" y="0"/>
+          <a:ext cx="0" cy="0"/>
+          <a:chOff x="0" y="0"/>
+          <a:chExt cx="0" cy="0"/>
+        </a:xfrm>
+      </p:grpSpPr>
+      <p:sp>
+        <p:nvSpPr>
+          <p:cNvPr id="3" name="Text Placeholder 2"/>
+          <p:cNvSpPr>
+            <a:spLocks noGrp="1"/>
+          </p:cNvSpPr>
+          <p:nvPr>
+            <p:ph type="body" idx="1"/>
+          </p:nvPr>
+        </p:nvSpPr>
+        <p:spPr>
+          <a:xfrm>
+            <a:off x="677333" y="762001"/>
+            <a:ext cx="8596668" cy="5279362"/>
+          </a:xfrm>
+        </p:spPr>
+        <p:txBody>
+          <a:bodyPr/>
+          <a:lstStyle/>
+          <a:p>
+            <a:pPr lvl="1"/>
+            <a:r>
+              <a:rPr lang="en-GB" sz="1400" dirty="0"/>
+              <a:t>Why do we need branching?</a:t>
+            </a:r>
+          </a:p>
+          <a:p>
+            <a:pPr lvl="2"/>
+            <a:r>
+              <a:rPr lang="en-GB" sz="1200" dirty="0"/>
+              <a:t>When you want to add a new feature or fix a bug—no matter how big or how small—you spawn a new branch to encapsulate your changes.</a:t>
+            </a:r>
+          </a:p>
+          <a:p>
+            <a:pPr lvl="2"/>
+            <a:r>
+              <a:rPr lang="en-GB" sz="1200" dirty="0"/>
+              <a:t>All your development code goes into branch . Once development of new feature is complete, and it is tested thoroughly, then the changes are merged to master branch</a:t>
+            </a:r>
+          </a:p>
+          <a:p>
+            <a:pPr lvl="2"/>
+            <a:r>
+              <a:rPr lang="en-GB" dirty="0"/>
+              <a:t>master branch also called default branch</a:t>
+            </a:r>
+            <a:r>
+              <a:rPr lang="en-GB" sz="1200" dirty="0"/>
+              <a:t> </a:t>
+            </a:r>
+          </a:p>
+          <a:p>
+            <a:pPr lvl="2"/>
+            <a:endParaRPr lang="en-GB" sz="1200" dirty="0"/>
+          </a:p>
+          <a:p>
+            <a:pPr lvl="1"/>
+            <a:endParaRPr lang="en-GB" sz="1400" b="1" i="1" dirty="0">
+              <a:solidFill>
+                <a:schemeClr val="accent4">
+                  <a:lumMod val="75000"/>
+                </a:schemeClr>
+              </a:solidFill>
+            </a:endParaRPr>
+          </a:p>
+        </p:txBody>
+      </p:sp>
+      <p:sp>
+        <p:nvSpPr>
+          <p:cNvPr id="4" name="Title 1"/>
+          <p:cNvSpPr>
+            <a:spLocks noGrp="1"/>
+          </p:cNvSpPr>
+          <p:nvPr>
+            <p:ph type="title"/>
+          </p:nvPr>
+        </p:nvSpPr>
+        <p:spPr>
+          <a:xfrm>
+            <a:off x="685800" y="304800"/>
+            <a:ext cx="8596668" cy="304800"/>
+          </a:xfrm>
+        </p:spPr>
+        <p:txBody>
+          <a:bodyPr/>
+          <a:lstStyle/>
+          <a:p>
+            <a:r>
+              <a:rPr lang="en-US" sz="1600" dirty="0"/>
+              <a:t>Git Commands : Branching Commands</a:t>
+            </a:r>
+          </a:p>
+        </p:txBody>
+      </p:sp>
+      <p:pic>
+        <p:nvPicPr>
+          <p:cNvPr id="2" name="Picture 1">
+            <a:extLst>
+              <a:ext uri="{FF2B5EF4-FFF2-40B4-BE49-F238E27FC236}">
+                <a16:creationId xmlns:a16="http://schemas.microsoft.com/office/drawing/2014/main" id="{85169AFD-F840-428E-ABB3-0771A02F3D7B}"/>
+              </a:ext>
+            </a:extLst>
+          </p:cNvPr>
+          <p:cNvPicPr>
+            <a:picLocks noChangeAspect="1"/>
+          </p:cNvPicPr>
+          <p:nvPr/>
+        </p:nvPicPr>
+        <p:blipFill>
+          <a:blip r:embed="rId2"/>
+          <a:stretch>
+            <a:fillRect/>
+          </a:stretch>
+        </p:blipFill>
+        <p:spPr>
+          <a:xfrm>
+            <a:off x="1722879" y="2550824"/>
+            <a:ext cx="6505575" cy="3565957"/>
+          </a:xfrm>
+          <a:prstGeom prst="rect">
+            <a:avLst/>
+          </a:prstGeom>
+        </p:spPr>
+      </p:pic>
+    </p:spTree>
+    <p:extLst>
+      <p:ext uri="{BB962C8B-B14F-4D97-AF65-F5344CB8AC3E}">
+        <p14:creationId xmlns:p14="http://schemas.microsoft.com/office/powerpoint/2010/main" val="1741416072"/>
+      </p:ext>
+    </p:extLst>
+  </p:cSld>
+  <p:clrMapOvr>
+    <a:masterClrMapping/>
+  </p:clrMapOvr>
+</p:sld>
+</file>
+
+<file path=ppt/slides/slide22.xml><?xml version="1.0" encoding="utf-8"?>
+<p:sld xmlns:a="http://schemas.openxmlformats.org/drawingml/2006/main" xmlns:r="http://schemas.openxmlformats.org/officeDocument/2006/relationships" xmlns:p="http://schemas.openxmlformats.org/presentationml/2006/main">
+  <p:cSld>
+    <p:spTree>
+      <p:nvGrpSpPr>
+        <p:cNvPr id="1" name=""/>
+        <p:cNvGrpSpPr/>
+        <p:nvPr/>
+      </p:nvGrpSpPr>
+      <p:grpSpPr>
+        <a:xfrm>
+          <a:off x="0" y="0"/>
+          <a:ext cx="0" cy="0"/>
+          <a:chOff x="0" y="0"/>
+          <a:chExt cx="0" cy="0"/>
+        </a:xfrm>
+      </p:grpSpPr>
+      <p:sp>
+        <p:nvSpPr>
+          <p:cNvPr id="3" name="Text Placeholder 2"/>
+          <p:cNvSpPr>
+            <a:spLocks noGrp="1"/>
+          </p:cNvSpPr>
+          <p:nvPr>
+            <p:ph type="body" idx="1"/>
+          </p:nvPr>
+        </p:nvSpPr>
+        <p:spPr>
+          <a:xfrm>
+            <a:off x="677333" y="762000"/>
+            <a:ext cx="8596668" cy="5714999"/>
+          </a:xfrm>
+        </p:spPr>
+        <p:txBody>
+          <a:bodyPr/>
+          <a:lstStyle/>
+          <a:p>
+            <a:r>
+              <a:rPr lang="en-GB" sz="1200" dirty="0"/>
+              <a:t>To list local branches</a:t>
+            </a:r>
+          </a:p>
+          <a:p>
+            <a:pPr lvl="1"/>
+            <a:r>
+              <a:rPr lang="en-GB" sz="1200" b="1" i="1" dirty="0">
+                <a:solidFill>
+                  <a:schemeClr val="accent5">
+                    <a:lumMod val="50000"/>
+                  </a:schemeClr>
+                </a:solidFill>
+              </a:rPr>
+              <a:t>git branch</a:t>
+            </a:r>
+          </a:p>
+          <a:p>
+            <a:r>
+              <a:rPr lang="en-GB" sz="1200" dirty="0"/>
+              <a:t>To list local and remote branches</a:t>
+            </a:r>
+          </a:p>
+          <a:p>
+            <a:pPr lvl="1"/>
+            <a:r>
+              <a:rPr lang="en-GB" sz="1000" b="1" i="1" dirty="0">
+                <a:solidFill>
+                  <a:schemeClr val="accent5">
+                    <a:lumMod val="50000"/>
+                  </a:schemeClr>
+                </a:solidFill>
+              </a:rPr>
+              <a:t>git branch -a</a:t>
+            </a:r>
+            <a:endParaRPr lang="en-GB" sz="1000" dirty="0"/>
+          </a:p>
+          <a:p>
+            <a:r>
+              <a:rPr lang="en-GB" sz="1200" dirty="0"/>
+              <a:t>To create a new branch</a:t>
+            </a:r>
+          </a:p>
+          <a:p>
+            <a:pPr lvl="1"/>
+            <a:r>
+              <a:rPr lang="en-GB" sz="1000" b="1" i="1" dirty="0">
+                <a:solidFill>
+                  <a:schemeClr val="accent5">
+                    <a:lumMod val="50000"/>
+                  </a:schemeClr>
+                </a:solidFill>
+              </a:rPr>
+              <a:t>git branch </a:t>
+            </a:r>
+            <a:r>
+              <a:rPr lang="en-GB" sz="1000" b="1" i="1" dirty="0" err="1">
+                <a:solidFill>
+                  <a:schemeClr val="accent5">
+                    <a:lumMod val="50000"/>
+                  </a:schemeClr>
+                </a:solidFill>
+              </a:rPr>
+              <a:t>branchname</a:t>
+            </a:r>
+            <a:endParaRPr lang="en-GB" sz="1000" dirty="0"/>
+          </a:p>
+          <a:p>
+            <a:r>
+              <a:rPr lang="en-GB" sz="1200" dirty="0"/>
+              <a:t>To switch to newly created branch</a:t>
+            </a:r>
+          </a:p>
+          <a:p>
+            <a:pPr lvl="1"/>
+            <a:r>
+              <a:rPr lang="en-GB" sz="1000" b="1" i="1" dirty="0">
+                <a:solidFill>
+                  <a:schemeClr val="accent5">
+                    <a:lumMod val="50000"/>
+                  </a:schemeClr>
+                </a:solidFill>
+              </a:rPr>
+              <a:t>git checkout </a:t>
+            </a:r>
+            <a:r>
+              <a:rPr lang="en-GB" sz="1000" b="1" i="1" dirty="0" err="1">
+                <a:solidFill>
+                  <a:schemeClr val="accent5">
+                    <a:lumMod val="50000"/>
+                  </a:schemeClr>
+                </a:solidFill>
+              </a:rPr>
+              <a:t>branchname</a:t>
+            </a:r>
+            <a:endParaRPr lang="en-GB" sz="1000" dirty="0"/>
+          </a:p>
+          <a:p>
+            <a:r>
+              <a:rPr lang="en-GB" sz="1200" dirty="0"/>
+              <a:t>To create a branch and switch to it</a:t>
+            </a:r>
+          </a:p>
+          <a:p>
+            <a:pPr lvl="1"/>
+            <a:r>
+              <a:rPr lang="en-GB" sz="1000" b="1" i="1" dirty="0">
+                <a:solidFill>
+                  <a:schemeClr val="accent5">
+                    <a:lumMod val="50000"/>
+                  </a:schemeClr>
+                </a:solidFill>
+              </a:rPr>
+              <a:t>git checkout –b </a:t>
+            </a:r>
+            <a:r>
+              <a:rPr lang="en-GB" sz="1000" b="1" i="1" dirty="0" err="1">
+                <a:solidFill>
+                  <a:schemeClr val="accent5">
+                    <a:lumMod val="50000"/>
+                  </a:schemeClr>
+                </a:solidFill>
+              </a:rPr>
+              <a:t>branchname</a:t>
+            </a:r>
+            <a:endParaRPr lang="en-GB" sz="1000" dirty="0"/>
+          </a:p>
+          <a:p>
+            <a:r>
+              <a:rPr lang="en-GB" sz="1200" dirty="0"/>
+              <a:t>To push local branch code to remote branch code</a:t>
+            </a:r>
+          </a:p>
+          <a:p>
+            <a:pPr lvl="1"/>
+            <a:r>
+              <a:rPr lang="en-GB" sz="1000" dirty="0"/>
+              <a:t>Switch to your branch first</a:t>
+            </a:r>
+          </a:p>
+          <a:p>
+            <a:pPr lvl="1"/>
+            <a:r>
+              <a:rPr lang="en-GB" sz="1000" b="1" i="1" dirty="0">
+                <a:solidFill>
+                  <a:schemeClr val="accent5">
+                    <a:lumMod val="50000"/>
+                  </a:schemeClr>
+                </a:solidFill>
+              </a:rPr>
+              <a:t>git push origin </a:t>
+            </a:r>
+            <a:r>
+              <a:rPr lang="en-GB" sz="1000" b="1" i="1" dirty="0" err="1">
+                <a:solidFill>
+                  <a:schemeClr val="accent5">
+                    <a:lumMod val="50000"/>
+                  </a:schemeClr>
+                </a:solidFill>
+              </a:rPr>
+              <a:t>branchname</a:t>
+            </a:r>
+            <a:endParaRPr lang="en-GB" sz="1000" dirty="0"/>
+          </a:p>
+          <a:p>
+            <a:r>
+              <a:rPr lang="en-GB" sz="1200" dirty="0"/>
+              <a:t>Merging Branches</a:t>
+            </a:r>
+          </a:p>
+          <a:p>
+            <a:pPr lvl="1"/>
+            <a:r>
+              <a:rPr lang="en-GB" sz="1200" dirty="0"/>
+              <a:t>First switch to the branch to which you want o merge into(master ) </a:t>
+            </a:r>
+          </a:p>
+          <a:p>
+            <a:pPr lvl="1"/>
+            <a:r>
+              <a:rPr lang="en-GB" sz="1200" b="1" i="1" dirty="0">
+                <a:solidFill>
+                  <a:schemeClr val="accent5">
+                    <a:lumMod val="50000"/>
+                  </a:schemeClr>
+                </a:solidFill>
+              </a:rPr>
+              <a:t>git merge </a:t>
+            </a:r>
+            <a:r>
+              <a:rPr lang="en-GB" sz="1200" b="1" i="1" dirty="0" err="1">
+                <a:solidFill>
+                  <a:schemeClr val="accent5">
+                    <a:lumMod val="50000"/>
+                  </a:schemeClr>
+                </a:solidFill>
+              </a:rPr>
+              <a:t>branchname</a:t>
+            </a:r>
+            <a:endParaRPr lang="en-GB" sz="1200" b="1" i="1" dirty="0">
+              <a:solidFill>
+                <a:schemeClr val="accent5">
+                  <a:lumMod val="50000"/>
+                </a:schemeClr>
+              </a:solidFill>
+            </a:endParaRPr>
+          </a:p>
+          <a:p>
+            <a:r>
+              <a:rPr lang="en-GB" sz="1400" dirty="0"/>
+              <a:t>Deleting a branch</a:t>
+            </a:r>
+          </a:p>
+          <a:p>
+            <a:pPr lvl="1"/>
+            <a:r>
+              <a:rPr lang="en-GB" sz="1200" b="1" i="1" dirty="0">
+                <a:solidFill>
+                  <a:schemeClr val="accent5">
+                    <a:lumMod val="50000"/>
+                  </a:schemeClr>
+                </a:solidFill>
+              </a:rPr>
+              <a:t>git branch -D </a:t>
+            </a:r>
+            <a:r>
+              <a:rPr lang="en-GB" sz="1200" b="1" i="1" dirty="0" err="1">
+                <a:solidFill>
+                  <a:schemeClr val="accent5">
+                    <a:lumMod val="50000"/>
+                  </a:schemeClr>
+                </a:solidFill>
+              </a:rPr>
+              <a:t>branchname</a:t>
+            </a:r>
+            <a:endParaRPr lang="en-GB" sz="1200" b="1" i="1" dirty="0">
+              <a:solidFill>
+                <a:schemeClr val="accent5">
+                  <a:lumMod val="50000"/>
+                </a:schemeClr>
+              </a:solidFill>
+            </a:endParaRPr>
+          </a:p>
+          <a:p>
+            <a:pPr lvl="1"/>
+            <a:endParaRPr lang="en-GB" sz="1200" dirty="0"/>
+          </a:p>
+          <a:p>
+            <a:pPr lvl="1"/>
+            <a:endParaRPr lang="en-GB" sz="1200" dirty="0"/>
+          </a:p>
+          <a:p>
+            <a:endParaRPr lang="en-GB" sz="1200" dirty="0"/>
+          </a:p>
+          <a:p>
+            <a:pPr lvl="2"/>
+            <a:endParaRPr lang="en-GB" sz="1200" dirty="0"/>
+          </a:p>
+          <a:p>
+            <a:pPr lvl="1"/>
+            <a:endParaRPr lang="en-GB" sz="1400" dirty="0">
+              <a:solidFill>
+                <a:schemeClr val="tx1"/>
+              </a:solidFill>
+            </a:endParaRPr>
+          </a:p>
+        </p:txBody>
+      </p:sp>
+      <p:sp>
+        <p:nvSpPr>
+          <p:cNvPr id="4" name="Title 1"/>
+          <p:cNvSpPr>
+            <a:spLocks noGrp="1"/>
+          </p:cNvSpPr>
+          <p:nvPr>
+            <p:ph type="title"/>
+          </p:nvPr>
+        </p:nvSpPr>
+        <p:spPr>
+          <a:xfrm>
+            <a:off x="685800" y="304800"/>
+            <a:ext cx="8596668" cy="304800"/>
+          </a:xfrm>
+        </p:spPr>
+        <p:txBody>
+          <a:bodyPr/>
+          <a:lstStyle/>
+          <a:p>
+            <a:r>
+              <a:rPr lang="en-US" sz="1600" dirty="0"/>
+              <a:t>Git Commands : Branching Commands</a:t>
+            </a:r>
+          </a:p>
+        </p:txBody>
+      </p:sp>
+    </p:spTree>
+    <p:extLst>
+      <p:ext uri="{BB962C8B-B14F-4D97-AF65-F5344CB8AC3E}">
+        <p14:creationId xmlns:p14="http://schemas.microsoft.com/office/powerpoint/2010/main" val="4169428883"/>
+      </p:ext>
+    </p:extLst>
   </p:cSld>
   <p:clrMapOvr>
     <a:masterClrMapping/>
@@ -20105,4 +22209,47 @@
   <a:objectDefaults/>
   <a:extraClrSchemeLst/>
 </a:theme>
+</file>
+
+<file path=ppt/theme/themeOverride1.xml><?xml version="1.0" encoding="utf-8"?>
+<a:themeOverride xmlns:a="http://schemas.openxmlformats.org/drawingml/2006/main">
+  <a:clrScheme name="Facet">
+    <a:dk1>
+      <a:srgbClr val="000000"/>
+    </a:dk1>
+    <a:lt1>
+      <a:srgbClr val="FFFFFF"/>
+    </a:lt1>
+    <a:dk2>
+      <a:srgbClr val="2C3C43"/>
+    </a:dk2>
+    <a:lt2>
+      <a:srgbClr val="EBEBEB"/>
+    </a:lt2>
+    <a:accent1>
+      <a:srgbClr val="90C226"/>
+    </a:accent1>
+    <a:accent2>
+      <a:srgbClr val="54A021"/>
+    </a:accent2>
+    <a:accent3>
+      <a:srgbClr val="E6B91E"/>
+    </a:accent3>
+    <a:accent4>
+      <a:srgbClr val="E76618"/>
+    </a:accent4>
+    <a:accent5>
+      <a:srgbClr val="C42F1A"/>
+    </a:accent5>
+    <a:accent6>
+      <a:srgbClr val="918655"/>
+    </a:accent6>
+    <a:hlink>
+      <a:srgbClr val="99CA3C"/>
+    </a:hlink>
+    <a:folHlink>
+      <a:srgbClr val="B9D181"/>
+    </a:folHlink>
+  </a:clrScheme>
+</a:themeOverride>
 </file>